--- a/path_planning/path_plan.pptx
+++ b/path_planning/path_plan.pptx
@@ -205,7 +205,7 @@
           <a:p>
             <a:fld id="{C05D3741-4BF1-4174-BB12-98FD157D24BE}" type="datetimeFigureOut">
               <a:rPr kumimoji="1" lang="ja-JP" altLang="en-US" smtClean="0"/>
-              <a:t>2020/9/13</a:t>
+              <a:t>2020/9/14</a:t>
             </a:fld>
             <a:endParaRPr kumimoji="1" lang="ja-JP" altLang="en-US"/>
           </a:p>
@@ -370,7 +370,7 @@
           <a:p>
             <a:fld id="{4133F667-6584-408D-AD7E-D18D0869DE33}" type="datetimeFigureOut">
               <a:rPr kumimoji="1" lang="ja-JP" altLang="en-US" smtClean="0"/>
-              <a:t>2020/9/13</a:t>
+              <a:t>2020/9/14</a:t>
             </a:fld>
             <a:endParaRPr kumimoji="1" lang="ja-JP" altLang="en-US"/>
           </a:p>
@@ -1136,7 +1136,7 @@
           <a:p>
             <a:fld id="{58A231F8-05F8-4D04-8D8F-8D36F813C960}" type="datetime1">
               <a:rPr kumimoji="1" lang="ja-JP" altLang="en-US" smtClean="0"/>
-              <a:t>2020/9/13</a:t>
+              <a:t>2020/9/14</a:t>
             </a:fld>
             <a:endParaRPr kumimoji="1" lang="ja-JP" altLang="en-US" dirty="0"/>
           </a:p>
@@ -1624,7 +1624,7 @@
           <a:p>
             <a:fld id="{2EA862FE-B9D9-42A4-9B96-9BF43C1C92F4}" type="datetime1">
               <a:rPr kumimoji="1" lang="ja-JP" altLang="en-US" smtClean="0"/>
-              <a:t>2020/9/13</a:t>
+              <a:t>2020/9/14</a:t>
             </a:fld>
             <a:endParaRPr kumimoji="1" lang="ja-JP" altLang="en-US"/>
           </a:p>
@@ -1913,7 +1913,7 @@
           <a:p>
             <a:fld id="{7EAA7B6B-D7DB-4F50-8363-5CAEA241D462}" type="datetime1">
               <a:rPr kumimoji="1" lang="ja-JP" altLang="en-US" smtClean="0"/>
-              <a:t>2020/9/13</a:t>
+              <a:t>2020/9/14</a:t>
             </a:fld>
             <a:endParaRPr kumimoji="1" lang="ja-JP" altLang="en-US"/>
           </a:p>
@@ -2175,7 +2175,7 @@
           <a:p>
             <a:fld id="{575A211C-F59B-4698-A055-613DBD159966}" type="datetime1">
               <a:rPr kumimoji="1" lang="ja-JP" altLang="en-US" smtClean="0"/>
-              <a:t>2020/9/13</a:t>
+              <a:t>2020/9/14</a:t>
             </a:fld>
             <a:endParaRPr kumimoji="1" lang="ja-JP" altLang="en-US"/>
           </a:p>
@@ -2442,7 +2442,7 @@
           <a:p>
             <a:fld id="{6C64430C-D7C9-451F-BB5A-4067700317EA}" type="datetime1">
               <a:rPr kumimoji="1" lang="ja-JP" altLang="en-US" smtClean="0"/>
-              <a:t>2020/9/13</a:t>
+              <a:t>2020/9/14</a:t>
             </a:fld>
             <a:endParaRPr kumimoji="1" lang="ja-JP" altLang="en-US"/>
           </a:p>
@@ -2813,7 +2813,7 @@
           <a:p>
             <a:fld id="{3BA0A93C-43D0-4C25-A999-C90A412EB384}" type="datetime1">
               <a:rPr kumimoji="1" lang="ja-JP" altLang="en-US" smtClean="0"/>
-              <a:t>2020/9/13</a:t>
+              <a:t>2020/9/14</a:t>
             </a:fld>
             <a:endParaRPr kumimoji="1" lang="ja-JP" altLang="en-US"/>
           </a:p>
@@ -3338,7 +3338,7 @@
           <a:p>
             <a:fld id="{17080468-DCD8-4552-92F2-26A66A1920AE}" type="datetime1">
               <a:rPr kumimoji="1" lang="ja-JP" altLang="en-US" smtClean="0"/>
-              <a:t>2020/9/13</a:t>
+              <a:t>2020/9/14</a:t>
             </a:fld>
             <a:endParaRPr kumimoji="1" lang="ja-JP" altLang="en-US"/>
           </a:p>
@@ -3704,7 +3704,7 @@
           <a:p>
             <a:fld id="{CF0BF97F-6A36-45BD-B261-185AD2EFD4F1}" type="datetime1">
               <a:rPr kumimoji="1" lang="ja-JP" altLang="en-US" smtClean="0"/>
-              <a:t>2020/9/13</a:t>
+              <a:t>2020/9/14</a:t>
             </a:fld>
             <a:endParaRPr kumimoji="1" lang="ja-JP" altLang="en-US"/>
           </a:p>
@@ -4190,7 +4190,7 @@
           <a:p>
             <a:fld id="{E187A37F-063B-4BF2-AE47-16D6CC460300}" type="datetime1">
               <a:rPr kumimoji="1" lang="ja-JP" altLang="en-US" smtClean="0"/>
-              <a:t>2020/9/13</a:t>
+              <a:t>2020/9/14</a:t>
             </a:fld>
             <a:endParaRPr kumimoji="1" lang="ja-JP" altLang="en-US"/>
           </a:p>
@@ -4285,7 +4285,7 @@
           <a:p>
             <a:fld id="{37A6803A-338A-4D1E-9AEA-3938A412C9D0}" type="datetime1">
               <a:rPr kumimoji="1" lang="ja-JP" altLang="en-US" smtClean="0"/>
-              <a:t>2020/9/13</a:t>
+              <a:t>2020/9/14</a:t>
             </a:fld>
             <a:endParaRPr kumimoji="1" lang="ja-JP" altLang="en-US"/>
           </a:p>
@@ -4447,7 +4447,7 @@
           <a:p>
             <a:fld id="{176F41DB-9FE4-4BC2-AA18-F04C127911AB}" type="datetime1">
               <a:rPr kumimoji="1" lang="ja-JP" altLang="en-US" smtClean="0"/>
-              <a:t>2020/9/13</a:t>
+              <a:t>2020/9/14</a:t>
             </a:fld>
             <a:endParaRPr kumimoji="1" lang="ja-JP" altLang="en-US"/>
           </a:p>
@@ -4542,7 +4542,7 @@
           <a:p>
             <a:fld id="{176F41DB-9FE4-4BC2-AA18-F04C127911AB}" type="datetime1">
               <a:rPr kumimoji="1" lang="ja-JP" altLang="en-US" smtClean="0"/>
-              <a:t>2020/9/13</a:t>
+              <a:t>2020/9/14</a:t>
             </a:fld>
             <a:endParaRPr kumimoji="1" lang="ja-JP" altLang="en-US"/>
           </a:p>
@@ -4851,7 +4851,7 @@
           <a:p>
             <a:fld id="{DB38D941-B664-458C-B9FE-B4BFA20B7DB2}" type="datetime1">
               <a:rPr kumimoji="1" lang="ja-JP" altLang="en-US" smtClean="0"/>
-              <a:t>2020/9/13</a:t>
+              <a:t>2020/9/14</a:t>
             </a:fld>
             <a:endParaRPr kumimoji="1" lang="ja-JP" altLang="en-US"/>
           </a:p>
@@ -5579,7 +5579,7 @@
             <p:spPr>
               <a:xfrm>
                 <a:off x="2972432" y="4999866"/>
-                <a:ext cx="1136721" cy="369332"/>
+                <a:ext cx="1139927" cy="369332"/>
               </a:xfrm>
               <a:prstGeom prst="rect">
                 <a:avLst/>
@@ -5629,7 +5629,7 @@
                     <m:sSub>
                       <m:sSubPr>
                         <m:ctrlPr>
-                          <a:rPr lang="en-US" altLang="ja-JP" b="1" i="1" dirty="0" smtClean="0">
+                          <a:rPr lang="en-US" altLang="ja-JP" b="1" dirty="0" smtClean="0">
                             <a:latin typeface="Cambria Math" panose="02040503050406030204" pitchFamily="18" charset="0"/>
                           </a:rPr>
                         </m:ctrlPr>
@@ -5639,7 +5639,7 @@
                           <a:rPr lang="en-US" altLang="ja-JP" b="1" i="0" dirty="0" smtClean="0">
                             <a:latin typeface="Cambria Math" panose="02040503050406030204" pitchFamily="18" charset="0"/>
                           </a:rPr>
-                          <m:t>𝐪</m:t>
+                          <m:t>𝐩</m:t>
                         </m:r>
                       </m:e>
                       <m:sub>
@@ -5680,7 +5680,7 @@
             <p:spPr>
               <a:xfrm>
                 <a:off x="2972432" y="4999866"/>
-                <a:ext cx="1136721" cy="369332"/>
+                <a:ext cx="1139927" cy="369332"/>
               </a:xfrm>
               <a:prstGeom prst="rect">
                 <a:avLst/>
@@ -5688,7 +5688,7 @@
               <a:blipFill>
                 <a:blip r:embed="rId2"/>
                 <a:stretch>
-                  <a:fillRect t="-6557" r="-3763" b="-26230"/>
+                  <a:fillRect t="-6557" r="-3209" b="-26230"/>
                 </a:stretch>
               </a:blipFill>
             </p:spPr>
@@ -5707,8 +5707,8 @@
           </p:sp>
         </mc:Fallback>
       </mc:AlternateContent>
-      <mc:AlternateContent xmlns:mc="http://schemas.openxmlformats.org/markup-compatibility/2006">
-        <mc:Choice xmlns:a14="http://schemas.microsoft.com/office/drawing/2010/main" Requires="a14">
+      <mc:AlternateContent xmlns:mc="http://schemas.openxmlformats.org/markup-compatibility/2006" xmlns:a14="http://schemas.microsoft.com/office/drawing/2010/main">
+        <mc:Choice Requires="a14">
           <p:sp>
             <p:nvSpPr>
               <p:cNvPr id="31" name="正方形/長方形 30">
@@ -5776,7 +5776,7 @@
             </p:txBody>
           </p:sp>
         </mc:Choice>
-        <mc:Fallback>
+        <mc:Fallback xmlns="">
           <p:sp>
             <p:nvSpPr>
               <p:cNvPr id="31" name="正方形/長方形 30">
@@ -8005,8 +8005,8 @@
           </a:p>
         </p:txBody>
       </p:sp>
-      <mc:AlternateContent xmlns:mc="http://schemas.openxmlformats.org/markup-compatibility/2006">
-        <mc:Choice xmlns:a14="http://schemas.microsoft.com/office/drawing/2010/main" Requires="a14">
+      <mc:AlternateContent xmlns:mc="http://schemas.openxmlformats.org/markup-compatibility/2006" xmlns:a14="http://schemas.microsoft.com/office/drawing/2010/main">
+        <mc:Choice Requires="a14">
           <p:sp>
             <p:nvSpPr>
               <p:cNvPr id="41" name="正方形/長方形 40">
@@ -8074,7 +8074,7 @@
             </p:txBody>
           </p:sp>
         </mc:Choice>
-        <mc:Fallback>
+        <mc:Fallback xmlns="">
           <p:sp>
             <p:nvSpPr>
               <p:cNvPr id="41" name="正方形/長方形 40">
@@ -8174,8 +8174,8 @@
           </a:p>
         </p:txBody>
       </p:sp>
-      <mc:AlternateContent xmlns:mc="http://schemas.openxmlformats.org/markup-compatibility/2006">
-        <mc:Choice xmlns:a14="http://schemas.microsoft.com/office/drawing/2010/main" Requires="a14">
+      <mc:AlternateContent xmlns:mc="http://schemas.openxmlformats.org/markup-compatibility/2006" xmlns:a14="http://schemas.microsoft.com/office/drawing/2010/main">
+        <mc:Choice Requires="a14">
           <p:sp>
             <p:nvSpPr>
               <p:cNvPr id="43" name="正方形/長方形 42">
@@ -8274,7 +8274,7 @@
             </p:txBody>
           </p:sp>
         </mc:Choice>
-        <mc:Fallback>
+        <mc:Fallback xmlns="">
           <p:sp>
             <p:nvSpPr>
               <p:cNvPr id="43" name="正方形/長方形 42">
@@ -10102,8 +10102,8 @@
           </a:p>
         </p:txBody>
       </p:sp>
-      <mc:AlternateContent xmlns:mc="http://schemas.openxmlformats.org/markup-compatibility/2006">
-        <mc:Choice xmlns:a14="http://schemas.microsoft.com/office/drawing/2010/main" Requires="a14">
+      <mc:AlternateContent xmlns:mc="http://schemas.openxmlformats.org/markup-compatibility/2006" xmlns:a14="http://schemas.microsoft.com/office/drawing/2010/main">
+        <mc:Choice Requires="a14">
           <p:sp>
             <p:nvSpPr>
               <p:cNvPr id="40" name="正方形/長方形 39">
@@ -10171,7 +10171,7 @@
             </p:txBody>
           </p:sp>
         </mc:Choice>
-        <mc:Fallback>
+        <mc:Fallback xmlns="">
           <p:sp>
             <p:nvSpPr>
               <p:cNvPr id="40" name="正方形/長方形 39">
@@ -10453,8 +10453,8 @@
           </a:p>
         </p:txBody>
       </p:sp>
-      <mc:AlternateContent xmlns:mc="http://schemas.openxmlformats.org/markup-compatibility/2006">
-        <mc:Choice xmlns:a14="http://schemas.microsoft.com/office/drawing/2010/main" Requires="a14">
+      <mc:AlternateContent xmlns:mc="http://schemas.openxmlformats.org/markup-compatibility/2006" xmlns:a14="http://schemas.microsoft.com/office/drawing/2010/main">
+        <mc:Choice Requires="a14">
           <p:sp>
             <p:nvSpPr>
               <p:cNvPr id="44" name="正方形/長方形 43">
@@ -10553,7 +10553,7 @@
             </p:txBody>
           </p:sp>
         </mc:Choice>
-        <mc:Fallback>
+        <mc:Fallback xmlns="">
           <p:sp>
             <p:nvSpPr>
               <p:cNvPr id="44" name="正方形/長方形 43">
